--- a/Resources/ThreadsWinAndCpp11.pptx
+++ b/Resources/ThreadsWinAndCpp11.pptx
@@ -152,10 +152,6 @@
 </p:presentation>
 </file>
 
-<file path=ppt/revisionInfo.xml><?xml version="1.0" encoding="utf-8"?>
-<p1510:revInfo xmlns:a="http://schemas.openxmlformats.org/drawingml/2006/main" xmlns:r="http://schemas.openxmlformats.org/officeDocument/2006/relationships" xmlns:p1510="http://schemas.microsoft.com/office/powerpoint/2015/10/main"/>
-</file>
-
 <file path=ppt/notesMasters/notesMaster1.xml><?xml version="1.0" encoding="utf-8"?>
 <p:notesMaster xmlns:a="http://schemas.openxmlformats.org/drawingml/2006/main" xmlns:r="http://schemas.openxmlformats.org/officeDocument/2006/relationships" xmlns:p="http://schemas.openxmlformats.org/presentationml/2006/main">
   <p:cSld>
@@ -238,7 +234,7 @@
           <a:p>
             <a:fld id="{12532628-585B-440D-B781-0D422DDD550D}" type="datetimeFigureOut">
               <a:rPr lang="en-US" smtClean="0"/>
-              <a:t>8/5/2017</a:t>
+              <a:t>7/6/2019</a:t>
             </a:fld>
             <a:endParaRPr lang="en-US"/>
           </a:p>
@@ -928,7 +924,7 @@
           <a:p>
             <a:fld id="{CBA1D616-5B29-47EA-9E4B-9A8D73D85819}" type="datetime1">
               <a:rPr lang="en-US" smtClean="0"/>
-              <a:t>8/5/2017</a:t>
+              <a:t>7/6/2019</a:t>
             </a:fld>
             <a:endParaRPr lang="en-US"/>
           </a:p>
@@ -1126,7 +1122,7 @@
           <a:p>
             <a:fld id="{18D6BB9E-38EC-4848-917B-957DE01BE519}" type="datetime1">
               <a:rPr lang="en-US" smtClean="0"/>
-              <a:t>8/5/2017</a:t>
+              <a:t>7/6/2019</a:t>
             </a:fld>
             <a:endParaRPr lang="en-US"/>
           </a:p>
@@ -1334,7 +1330,7 @@
           <a:p>
             <a:fld id="{A2046331-012E-4100-9ECF-345FE6B01E50}" type="datetime1">
               <a:rPr lang="en-US" smtClean="0"/>
-              <a:t>8/5/2017</a:t>
+              <a:t>7/6/2019</a:t>
             </a:fld>
             <a:endParaRPr lang="en-US"/>
           </a:p>
@@ -1532,7 +1528,7 @@
           <a:p>
             <a:fld id="{4A216846-9048-4063-ADBD-8EAC05109001}" type="datetime1">
               <a:rPr lang="en-US" smtClean="0"/>
-              <a:t>8/5/2017</a:t>
+              <a:t>7/6/2019</a:t>
             </a:fld>
             <a:endParaRPr lang="en-US"/>
           </a:p>
@@ -1807,7 +1803,7 @@
           <a:p>
             <a:fld id="{4A317588-FD32-46DD-91E5-A0326641897B}" type="datetime1">
               <a:rPr lang="en-US" smtClean="0"/>
-              <a:t>8/5/2017</a:t>
+              <a:t>7/6/2019</a:t>
             </a:fld>
             <a:endParaRPr lang="en-US"/>
           </a:p>
@@ -2072,7 +2068,7 @@
           <a:p>
             <a:fld id="{8E3D30D1-AAC4-4921-8E76-7CF9E408051E}" type="datetime1">
               <a:rPr lang="en-US" smtClean="0"/>
-              <a:t>8/5/2017</a:t>
+              <a:t>7/6/2019</a:t>
             </a:fld>
             <a:endParaRPr lang="en-US"/>
           </a:p>
@@ -2484,7 +2480,7 @@
           <a:p>
             <a:fld id="{3168B746-D790-49F5-A5A2-354B8D85781F}" type="datetime1">
               <a:rPr lang="en-US" smtClean="0"/>
-              <a:t>8/5/2017</a:t>
+              <a:t>7/6/2019</a:t>
             </a:fld>
             <a:endParaRPr lang="en-US"/>
           </a:p>
@@ -2625,7 +2621,7 @@
           <a:p>
             <a:fld id="{95DA8105-C90C-4256-AB53-6D70DF3BA38A}" type="datetime1">
               <a:rPr lang="en-US" smtClean="0"/>
-              <a:t>8/5/2017</a:t>
+              <a:t>7/6/2019</a:t>
             </a:fld>
             <a:endParaRPr lang="en-US"/>
           </a:p>
@@ -2738,7 +2734,7 @@
           <a:p>
             <a:fld id="{5DBE7762-C6A5-4D55-B355-A2F763F78F9B}" type="datetime1">
               <a:rPr lang="en-US" smtClean="0"/>
-              <a:t>8/5/2017</a:t>
+              <a:t>7/6/2019</a:t>
             </a:fld>
             <a:endParaRPr lang="en-US"/>
           </a:p>
@@ -3049,7 +3045,7 @@
           <a:p>
             <a:fld id="{072922CB-8DFE-4E50-ADDB-EEB06C1F774D}" type="datetime1">
               <a:rPr lang="en-US" smtClean="0"/>
-              <a:t>8/5/2017</a:t>
+              <a:t>7/6/2019</a:t>
             </a:fld>
             <a:endParaRPr lang="en-US"/>
           </a:p>
@@ -3337,7 +3333,7 @@
           <a:p>
             <a:fld id="{3DC8E2A7-744B-4BEC-AB7E-31DE26434D87}" type="datetime1">
               <a:rPr lang="en-US" smtClean="0"/>
-              <a:t>8/5/2017</a:t>
+              <a:t>7/6/2019</a:t>
             </a:fld>
             <a:endParaRPr lang="en-US"/>
           </a:p>
@@ -3578,7 +3574,7 @@
           <a:p>
             <a:fld id="{EAED834A-B3B4-48B6-B5E2-B149BAC53504}" type="datetime1">
               <a:rPr lang="en-US" smtClean="0"/>
-              <a:t>8/5/2017</a:t>
+              <a:t>7/6/2019</a:t>
             </a:fld>
             <a:endParaRPr lang="en-US"/>
           </a:p>
@@ -4339,7 +4335,15 @@
           <a:p>
             <a:r>
               <a:rPr lang="en-US" dirty="0"/>
-              <a:t>You will find demo code for starting a Windows process here:</a:t>
+              <a:t>You will find demo code for starting a Windows process and also for starting a </a:t>
+            </a:r>
+            <a:r>
+              <a:rPr lang="en-US" dirty="0" err="1"/>
+              <a:t>.Net</a:t>
+            </a:r>
+            <a:r>
+              <a:rPr lang="en-US" dirty="0"/>
+              <a:t> process here:</a:t>
             </a:r>
           </a:p>
           <a:p>
@@ -4348,32 +4352,12 @@
               <a:rPr lang="en-US" sz="2000" dirty="0">
                 <a:hlinkClick r:id="rId2"/>
               </a:rPr>
-              <a:t>http://www.ecs.syr.edu/faculty/fawcett/handouts/Coretechnologies/ThreadsAndSynchronization/code/ProcessDemoWin32/</a:t>
+              <a:t>https://github.com/JimFawcett/ProcsAndThreads</a:t>
             </a:r>
             <a:r>
               <a:rPr lang="en-US" sz="2000" dirty="0"/>
               <a:t> </a:t>
             </a:r>
-          </a:p>
-          <a:p>
-            <a:r>
-              <a:rPr lang="en-US" dirty="0"/>
-              <a:t>Here is a demo for starting up a process using C#:</a:t>
-            </a:r>
-          </a:p>
-          <a:p>
-            <a:pPr lvl="1"/>
-            <a:r>
-              <a:rPr lang="en-US" sz="2000" dirty="0">
-                <a:hlinkClick r:id="rId3"/>
-              </a:rPr>
-              <a:t>http://www.ecs.syr.edu/faculty/fawcett/handouts/Coretechnologies/ThreadsAndSynchronization/code/ProcessDemoDotNet/</a:t>
-            </a:r>
-            <a:endParaRPr lang="en-US" sz="2000" dirty="0"/>
-          </a:p>
-          <a:p>
-            <a:pPr lvl="1"/>
-            <a:endParaRPr lang="en-US" dirty="0"/>
           </a:p>
         </p:txBody>
       </p:sp>
@@ -4767,7 +4751,7 @@
           <a:graphicData uri="http://schemas.openxmlformats.org/presentationml/2006/ole">
             <mc:AlternateContent xmlns:mc="http://schemas.openxmlformats.org/markup-compatibility/2006">
               <mc:Choice xmlns:v="urn:schemas-microsoft-com:vml" Requires="v">
-                <p:oleObj spid="_x0000_s1061" name="VISIO" r:id="rId3" imgW="8264160" imgH="5978160" progId="Visio.Drawing.6">
+                <p:oleObj spid="_x0000_s1073" name="VISIO" r:id="rId3" imgW="8264160" imgH="5978160" progId="Visio.Drawing.6">
                   <p:embed/>
                 </p:oleObj>
               </mc:Choice>
@@ -5177,7 +5161,7 @@
           <a:graphicData uri="http://schemas.openxmlformats.org/presentationml/2006/ole">
             <mc:AlternateContent xmlns:mc="http://schemas.openxmlformats.org/markup-compatibility/2006">
               <mc:Choice xmlns:v="urn:schemas-microsoft-com:vml" Requires="v">
-                <p:oleObj spid="_x0000_s2084" name="VISIO" r:id="rId4" imgW="8397720" imgH="4242240" progId="Visio.Drawing.6">
+                <p:oleObj spid="_x0000_s2096" name="VISIO" r:id="rId4" imgW="8397720" imgH="4242240" progId="Visio.Drawing.6">
                   <p:embed/>
                 </p:oleObj>
               </mc:Choice>
@@ -7418,7 +7402,7 @@
           <a:graphicData uri="http://schemas.openxmlformats.org/presentationml/2006/ole">
             <mc:AlternateContent xmlns:mc="http://schemas.openxmlformats.org/markup-compatibility/2006">
               <mc:Choice xmlns:v="urn:schemas-microsoft-com:vml" Requires="v">
-                <p:oleObj spid="_x0000_s3100" name="VISIO" r:id="rId3" imgW="5978160" imgH="3692160" progId="Visio.Drawing.6">
+                <p:oleObj spid="_x0000_s3112" name="VISIO" r:id="rId3" imgW="5978160" imgH="3692160" progId="Visio.Drawing.6">
                   <p:embed/>
                 </p:oleObj>
               </mc:Choice>
@@ -10959,12 +10943,22 @@
           <a:p>
             <a:pPr lvl="1"/>
             <a:r>
+              <a:rPr lang="en-US" dirty="0"/>
+              <a:t>See process.pdf in </a:t>
+            </a:r>
+            <a:br>
+              <a:rPr lang="en-US" dirty="0"/>
+            </a:br>
+            <a:r>
               <a:rPr lang="en-US" dirty="0">
-                <a:hlinkClick r:id="rId2" action="ppaction://hlinkfile"/>
-              </a:rPr>
-              <a:t>Process Diagram</a:t>
-            </a:r>
-            <a:endParaRPr lang="en-US" dirty="0"/>
+                <a:hlinkClick r:id="rId2"/>
+              </a:rPr>
+              <a:t>https://JimFawcett.github.io/Resources/process.pdf</a:t>
+            </a:r>
+            <a:r>
+              <a:rPr lang="en-US" dirty="0"/>
+              <a:t> </a:t>
+            </a:r>
           </a:p>
           <a:p>
             <a:r>
@@ -10975,12 +10969,22 @@
           <a:p>
             <a:pPr lvl="1"/>
             <a:r>
+              <a:rPr lang="en-US" dirty="0"/>
+              <a:t>See MemoryMapping.pdf in</a:t>
+            </a:r>
+            <a:br>
+              <a:rPr lang="en-US" dirty="0"/>
+            </a:br>
+            <a:r>
               <a:rPr lang="en-US" dirty="0">
-                <a:hlinkClick r:id="rId3" action="ppaction://hlinkfile"/>
-              </a:rPr>
-              <a:t>Virtual Memory Diagram</a:t>
-            </a:r>
-            <a:endParaRPr lang="en-US" dirty="0"/>
+                <a:hlinkClick r:id="rId3"/>
+              </a:rPr>
+              <a:t>https://JimFawcett.github.io/Resources/MemoryMapping.pdf</a:t>
+            </a:r>
+            <a:r>
+              <a:rPr lang="en-US" dirty="0"/>
+              <a:t> </a:t>
+            </a:r>
           </a:p>
         </p:txBody>
       </p:sp>
